--- a/presentation/presentation.pptx
+++ b/presentation/presentation.pptx
@@ -16941,7 +16941,7 @@
                 <a:latin typeface="Tw Cen MT" panose="020B0602020104020603" pitchFamily="34" charset="0"/>
                 <a:cs typeface="Vazir" panose="020B0603030804020204" pitchFamily="34" charset="-78"/>
               </a:rPr>
-              <a:t>~98%.</a:t>
+              <a:t>~96%.</a:t>
             </a:r>
           </a:p>
         </p:txBody>
@@ -26237,15 +26237,6 @@
 </file>
 
 <file path=customXml/item1.xml><?xml version="1.0" encoding="utf-8"?>
-<?mso-contentType ?>
-<FormTemplates xmlns="http://schemas.microsoft.com/sharepoint/v3/contenttype/forms">
-  <Display>DocumentLibraryForm</Display>
-  <Edit>DocumentLibraryForm</Edit>
-  <New>DocumentLibraryForm</New>
-</FormTemplates>
-</file>
-
-<file path=customXml/item2.xml><?xml version="1.0" encoding="utf-8"?>
 <ct:contentTypeSchema xmlns:ct="http://schemas.microsoft.com/office/2006/metadata/contentType" xmlns:ma="http://schemas.microsoft.com/office/2006/metadata/properties/metaAttributes" ct:_="" ma:_="" ma:contentTypeName="Document" ma:contentTypeID="0x01010079F111ED35F8CC479449609E8A0923A6" ma:contentTypeVersion="12" ma:contentTypeDescription="Create a new document." ma:contentTypeScope="" ma:versionID="a410dd7f93c95333ffa1b60ed6adedd1">
   <xsd:schema xmlns:xsd="http://www.w3.org/2001/XMLSchema" xmlns:xs="http://www.w3.org/2001/XMLSchema" xmlns:p="http://schemas.microsoft.com/office/2006/metadata/properties" xmlns:ns2="71af3243-3dd4-4a8d-8c0d-dd76da1f02a5" xmlns:ns3="16c05727-aa75-4e4a-9b5f-8a80a1165891" targetNamespace="http://schemas.microsoft.com/office/2006/metadata/properties" ma:root="true" ma:fieldsID="a936d9baba76aa3866493feff160faab" ns2:_="" ns3:_="">
     <xsd:import namespace="71af3243-3dd4-4a8d-8c0d-dd76da1f02a5"/>
@@ -26466,6 +26457,15 @@
 </ct:contentTypeSchema>
 </file>
 
+<file path=customXml/item2.xml><?xml version="1.0" encoding="utf-8"?>
+<?mso-contentType ?>
+<FormTemplates xmlns="http://schemas.microsoft.com/sharepoint/v3/contenttype/forms">
+  <Display>DocumentLibraryForm</Display>
+  <Edit>DocumentLibraryForm</Edit>
+  <New>DocumentLibraryForm</New>
+</FormTemplates>
+</file>
+
 <file path=customXml/item3.xml><?xml version="1.0" encoding="utf-8"?>
 <p:properties xmlns:p="http://schemas.microsoft.com/office/2006/metadata/properties" xmlns:xsi="http://www.w3.org/2001/XMLSchema-instance" xmlns:pc="http://schemas.microsoft.com/office/infopath/2007/PartnerControls">
   <documentManagement>
@@ -26476,14 +26476,6 @@
 </file>
 
 <file path=customXml/itemProps1.xml><?xml version="1.0" encoding="utf-8"?>
-<ds:datastoreItem xmlns:ds="http://schemas.openxmlformats.org/officeDocument/2006/customXml" ds:itemID="{638A3B04-B0F3-4C12-A722-52B5CF6D9723}">
-  <ds:schemaRefs>
-    <ds:schemaRef ds:uri="http://schemas.microsoft.com/sharepoint/v3/contenttype/forms"/>
-  </ds:schemaRefs>
-</ds:datastoreItem>
-</file>
-
-<file path=customXml/itemProps2.xml><?xml version="1.0" encoding="utf-8"?>
 <ds:datastoreItem xmlns:ds="http://schemas.openxmlformats.org/officeDocument/2006/customXml" ds:itemID="{1747A963-53E0-44AF-AF13-963FE676C682}">
   <ds:schemaRefs>
     <ds:schemaRef ds:uri="http://schemas.microsoft.com/office/2006/metadata/contentType"/>
@@ -26498,6 +26490,14 @@
     <ds:schemaRef ds:uri="http://purl.org/dc/elements/1.1/"/>
     <ds:schemaRef ds:uri="http://purl.org/dc/terms/"/>
     <ds:schemaRef ds:uri="http://schemas.microsoft.com/internal/obd"/>
+  </ds:schemaRefs>
+</ds:datastoreItem>
+</file>
+
+<file path=customXml/itemProps2.xml><?xml version="1.0" encoding="utf-8"?>
+<ds:datastoreItem xmlns:ds="http://schemas.openxmlformats.org/officeDocument/2006/customXml" ds:itemID="{638A3B04-B0F3-4C12-A722-52B5CF6D9723}">
+  <ds:schemaRefs>
+    <ds:schemaRef ds:uri="http://schemas.microsoft.com/sharepoint/v3/contenttype/forms"/>
   </ds:schemaRefs>
 </ds:datastoreItem>
 </file>
